--- a/Presintaions and Reports/Final presentaion VLSI project 7880.pptx
+++ b/Presintaions and Reports/Final presentaion VLSI project 7880.pptx
@@ -3398,7 +3398,7 @@
           <a:p>
             <a:fld id="{00968C3E-619B-4AA5-B3D1-45D581164E23}" type="datetimeFigureOut">
               <a:rPr lang="en-IL" smtClean="0"/>
-              <a:t>28/06/2025</a:t>
+              <a:t>03/07/2025</a:t>
             </a:fld>
             <a:endParaRPr lang="en-IL"/>
           </a:p>
@@ -3899,7 +3899,7 @@
           <a:p>
             <a:fld id="{4C1E25F6-6904-4FC1-8C19-2CBB5B46E60E}" type="datetimeFigureOut">
               <a:rPr lang="en-IL" smtClean="0"/>
-              <a:t>28/06/2025</a:t>
+              <a:t>03/07/2025</a:t>
             </a:fld>
             <a:endParaRPr lang="en-IL"/>
           </a:p>
@@ -4099,7 +4099,7 @@
           <a:p>
             <a:fld id="{4C1E25F6-6904-4FC1-8C19-2CBB5B46E60E}" type="datetimeFigureOut">
               <a:rPr lang="en-IL" smtClean="0"/>
-              <a:t>28/06/2025</a:t>
+              <a:t>03/07/2025</a:t>
             </a:fld>
             <a:endParaRPr lang="en-IL"/>
           </a:p>
@@ -4309,7 +4309,7 @@
           <a:p>
             <a:fld id="{4C1E25F6-6904-4FC1-8C19-2CBB5B46E60E}" type="datetimeFigureOut">
               <a:rPr lang="en-IL" smtClean="0"/>
-              <a:t>28/06/2025</a:t>
+              <a:t>03/07/2025</a:t>
             </a:fld>
             <a:endParaRPr lang="en-IL"/>
           </a:p>
@@ -4509,7 +4509,7 @@
           <a:p>
             <a:fld id="{4C1E25F6-6904-4FC1-8C19-2CBB5B46E60E}" type="datetimeFigureOut">
               <a:rPr lang="en-IL" smtClean="0"/>
-              <a:t>28/06/2025</a:t>
+              <a:t>03/07/2025</a:t>
             </a:fld>
             <a:endParaRPr lang="en-IL"/>
           </a:p>
@@ -4785,7 +4785,7 @@
           <a:p>
             <a:fld id="{4C1E25F6-6904-4FC1-8C19-2CBB5B46E60E}" type="datetimeFigureOut">
               <a:rPr lang="en-IL" smtClean="0"/>
-              <a:t>28/06/2025</a:t>
+              <a:t>03/07/2025</a:t>
             </a:fld>
             <a:endParaRPr lang="en-IL"/>
           </a:p>
@@ -5053,7 +5053,7 @@
           <a:p>
             <a:fld id="{4C1E25F6-6904-4FC1-8C19-2CBB5B46E60E}" type="datetimeFigureOut">
               <a:rPr lang="en-IL" smtClean="0"/>
-              <a:t>28/06/2025</a:t>
+              <a:t>03/07/2025</a:t>
             </a:fld>
             <a:endParaRPr lang="en-IL"/>
           </a:p>
@@ -5468,7 +5468,7 @@
           <a:p>
             <a:fld id="{4C1E25F6-6904-4FC1-8C19-2CBB5B46E60E}" type="datetimeFigureOut">
               <a:rPr lang="en-IL" smtClean="0"/>
-              <a:t>28/06/2025</a:t>
+              <a:t>03/07/2025</a:t>
             </a:fld>
             <a:endParaRPr lang="en-IL"/>
           </a:p>
@@ -5610,7 +5610,7 @@
           <a:p>
             <a:fld id="{4C1E25F6-6904-4FC1-8C19-2CBB5B46E60E}" type="datetimeFigureOut">
               <a:rPr lang="en-IL" smtClean="0"/>
-              <a:t>28/06/2025</a:t>
+              <a:t>03/07/2025</a:t>
             </a:fld>
             <a:endParaRPr lang="en-IL"/>
           </a:p>
@@ -5723,7 +5723,7 @@
           <a:p>
             <a:fld id="{4C1E25F6-6904-4FC1-8C19-2CBB5B46E60E}" type="datetimeFigureOut">
               <a:rPr lang="en-IL" smtClean="0"/>
-              <a:t>28/06/2025</a:t>
+              <a:t>03/07/2025</a:t>
             </a:fld>
             <a:endParaRPr lang="en-IL"/>
           </a:p>
@@ -6036,7 +6036,7 @@
           <a:p>
             <a:fld id="{4C1E25F6-6904-4FC1-8C19-2CBB5B46E60E}" type="datetimeFigureOut">
               <a:rPr lang="en-IL" smtClean="0"/>
-              <a:t>28/06/2025</a:t>
+              <a:t>03/07/2025</a:t>
             </a:fld>
             <a:endParaRPr lang="en-IL"/>
           </a:p>
@@ -6325,7 +6325,7 @@
           <a:p>
             <a:fld id="{4C1E25F6-6904-4FC1-8C19-2CBB5B46E60E}" type="datetimeFigureOut">
               <a:rPr lang="en-IL" smtClean="0"/>
-              <a:t>28/06/2025</a:t>
+              <a:t>03/07/2025</a:t>
             </a:fld>
             <a:endParaRPr lang="en-IL"/>
           </a:p>
@@ -6568,7 +6568,7 @@
           <a:p>
             <a:fld id="{4C1E25F6-6904-4FC1-8C19-2CBB5B46E60E}" type="datetimeFigureOut">
               <a:rPr lang="en-IL" smtClean="0"/>
-              <a:t>28/06/2025</a:t>
+              <a:t>03/07/2025</a:t>
             </a:fld>
             <a:endParaRPr lang="en-IL"/>
           </a:p>
@@ -7249,7 +7249,7 @@
             </a:pPr>
             <a:r>
               <a:rPr lang="en-US" sz="2000" b="1" dirty="0"/>
-              <a:t>Winter &amp; spring Semesters 2024/25</a:t>
+              <a:t>Winter Semesters 2024/25</a:t>
             </a:r>
           </a:p>
         </p:txBody>
@@ -10331,7 +10331,7 @@
                 <a:ea typeface="Times New Roman" panose="02020603050405020304" pitchFamily="18" charset="0"/>
                 <a:cs typeface="Arial" panose="020B0604020202020204" pitchFamily="34" charset="0"/>
               </a:rPr>
-              <a:t>27 circuit points </a:t>
+              <a:t>29 circuit points </a:t>
             </a:r>
             <a:r>
               <a:rPr lang="en-US" dirty="0"/>
@@ -18254,6 +18254,13 @@
             </a:endParaRPr>
           </a:p>
           <a:p>
+            <a:pPr algn="l" rtl="0"/>
+            <a:endParaRPr lang="en-US" sz="2800" dirty="0">
+              <a:effectLst/>
+              <a:ea typeface="Times New Roman" panose="02020603050405020304" pitchFamily="18" charset="0"/>
+            </a:endParaRPr>
+          </a:p>
+          <a:p>
             <a:r>
               <a:rPr lang="en-IL" sz="2800" dirty="0">
                 <a:effectLst/>
@@ -18282,6 +18289,12 @@
               </a:rPr>
               <a:t>.</a:t>
             </a:r>
+          </a:p>
+          <a:p>
+            <a:endParaRPr lang="en-US" sz="2800" dirty="0">
+              <a:effectLst/>
+              <a:ea typeface="Times New Roman" panose="02020603050405020304" pitchFamily="18" charset="0"/>
+            </a:endParaRPr>
           </a:p>
           <a:p>
             <a:r>
@@ -18512,22 +18525,34 @@
             </a:r>
           </a:p>
           <a:p>
+            <a:endParaRPr lang="en-US" sz="2000" dirty="0"/>
+          </a:p>
+          <a:p>
             <a:r>
               <a:rPr lang="en-US" sz="2000" dirty="0"/>
               <a:t> We had to integrate some files from FPGA libraries to compile and run the design.</a:t>
             </a:r>
           </a:p>
           <a:p>
+            <a:endParaRPr lang="en-US" sz="2000" dirty="0"/>
+          </a:p>
+          <a:p>
             <a:r>
               <a:rPr lang="en-US" sz="2000" dirty="0"/>
               <a:t>The design provided incorrect results whenever running commands with an undeviable-by-4 address, and the fact that the FPGA memories operated upon the clock falling (not rising).</a:t>
             </a:r>
           </a:p>
           <a:p>
+            <a:endParaRPr lang="en-US" sz="2000" dirty="0"/>
+          </a:p>
+          <a:p>
             <a:r>
               <a:rPr lang="en-US" sz="2000" dirty="0"/>
               <a:t>During the process of replacing the original memory blocks with Tower SRAMs, modifications were made to both the logical and timing aspects of the design, among the key updates, flip-flops were strategically inserted at critical points in the data path, and in some instances, sequential logic was restructured into purely combinational logic to better align with the new memory interface timing system.</a:t>
             </a:r>
+          </a:p>
+          <a:p>
+            <a:endParaRPr lang="en-US" sz="2000" dirty="0"/>
           </a:p>
           <a:p>
             <a:r>

--- a/Presintaions and Reports/Final presentaion VLSI project 7880.pptx
+++ b/Presintaions and Reports/Final presentaion VLSI project 7880.pptx
@@ -3398,7 +3398,7 @@
           <a:p>
             <a:fld id="{00968C3E-619B-4AA5-B3D1-45D581164E23}" type="datetimeFigureOut">
               <a:rPr lang="en-IL" smtClean="0"/>
-              <a:t>03/07/2025</a:t>
+              <a:t>08/07/2025</a:t>
             </a:fld>
             <a:endParaRPr lang="en-IL"/>
           </a:p>
@@ -3899,7 +3899,7 @@
           <a:p>
             <a:fld id="{4C1E25F6-6904-4FC1-8C19-2CBB5B46E60E}" type="datetimeFigureOut">
               <a:rPr lang="en-IL" smtClean="0"/>
-              <a:t>03/07/2025</a:t>
+              <a:t>08/07/2025</a:t>
             </a:fld>
             <a:endParaRPr lang="en-IL"/>
           </a:p>
@@ -4099,7 +4099,7 @@
           <a:p>
             <a:fld id="{4C1E25F6-6904-4FC1-8C19-2CBB5B46E60E}" type="datetimeFigureOut">
               <a:rPr lang="en-IL" smtClean="0"/>
-              <a:t>03/07/2025</a:t>
+              <a:t>08/07/2025</a:t>
             </a:fld>
             <a:endParaRPr lang="en-IL"/>
           </a:p>
@@ -4309,7 +4309,7 @@
           <a:p>
             <a:fld id="{4C1E25F6-6904-4FC1-8C19-2CBB5B46E60E}" type="datetimeFigureOut">
               <a:rPr lang="en-IL" smtClean="0"/>
-              <a:t>03/07/2025</a:t>
+              <a:t>08/07/2025</a:t>
             </a:fld>
             <a:endParaRPr lang="en-IL"/>
           </a:p>
@@ -4509,7 +4509,7 @@
           <a:p>
             <a:fld id="{4C1E25F6-6904-4FC1-8C19-2CBB5B46E60E}" type="datetimeFigureOut">
               <a:rPr lang="en-IL" smtClean="0"/>
-              <a:t>03/07/2025</a:t>
+              <a:t>08/07/2025</a:t>
             </a:fld>
             <a:endParaRPr lang="en-IL"/>
           </a:p>
@@ -4785,7 +4785,7 @@
           <a:p>
             <a:fld id="{4C1E25F6-6904-4FC1-8C19-2CBB5B46E60E}" type="datetimeFigureOut">
               <a:rPr lang="en-IL" smtClean="0"/>
-              <a:t>03/07/2025</a:t>
+              <a:t>08/07/2025</a:t>
             </a:fld>
             <a:endParaRPr lang="en-IL"/>
           </a:p>
@@ -5053,7 +5053,7 @@
           <a:p>
             <a:fld id="{4C1E25F6-6904-4FC1-8C19-2CBB5B46E60E}" type="datetimeFigureOut">
               <a:rPr lang="en-IL" smtClean="0"/>
-              <a:t>03/07/2025</a:t>
+              <a:t>08/07/2025</a:t>
             </a:fld>
             <a:endParaRPr lang="en-IL"/>
           </a:p>
@@ -5468,7 +5468,7 @@
           <a:p>
             <a:fld id="{4C1E25F6-6904-4FC1-8C19-2CBB5B46E60E}" type="datetimeFigureOut">
               <a:rPr lang="en-IL" smtClean="0"/>
-              <a:t>03/07/2025</a:t>
+              <a:t>08/07/2025</a:t>
             </a:fld>
             <a:endParaRPr lang="en-IL"/>
           </a:p>
@@ -5610,7 +5610,7 @@
           <a:p>
             <a:fld id="{4C1E25F6-6904-4FC1-8C19-2CBB5B46E60E}" type="datetimeFigureOut">
               <a:rPr lang="en-IL" smtClean="0"/>
-              <a:t>03/07/2025</a:t>
+              <a:t>08/07/2025</a:t>
             </a:fld>
             <a:endParaRPr lang="en-IL"/>
           </a:p>
@@ -5723,7 +5723,7 @@
           <a:p>
             <a:fld id="{4C1E25F6-6904-4FC1-8C19-2CBB5B46E60E}" type="datetimeFigureOut">
               <a:rPr lang="en-IL" smtClean="0"/>
-              <a:t>03/07/2025</a:t>
+              <a:t>08/07/2025</a:t>
             </a:fld>
             <a:endParaRPr lang="en-IL"/>
           </a:p>
@@ -6036,7 +6036,7 @@
           <a:p>
             <a:fld id="{4C1E25F6-6904-4FC1-8C19-2CBB5B46E60E}" type="datetimeFigureOut">
               <a:rPr lang="en-IL" smtClean="0"/>
-              <a:t>03/07/2025</a:t>
+              <a:t>08/07/2025</a:t>
             </a:fld>
             <a:endParaRPr lang="en-IL"/>
           </a:p>
@@ -6325,7 +6325,7 @@
           <a:p>
             <a:fld id="{4C1E25F6-6904-4FC1-8C19-2CBB5B46E60E}" type="datetimeFigureOut">
               <a:rPr lang="en-IL" smtClean="0"/>
-              <a:t>03/07/2025</a:t>
+              <a:t>08/07/2025</a:t>
             </a:fld>
             <a:endParaRPr lang="en-IL"/>
           </a:p>
@@ -6568,7 +6568,7 @@
           <a:p>
             <a:fld id="{4C1E25F6-6904-4FC1-8C19-2CBB5B46E60E}" type="datetimeFigureOut">
               <a:rPr lang="en-IL" smtClean="0"/>
-              <a:t>03/07/2025</a:t>
+              <a:t>08/07/2025</a:t>
             </a:fld>
             <a:endParaRPr lang="en-IL"/>
           </a:p>
@@ -7108,7 +7108,7 @@
                   </a:schemeClr>
                 </a:solidFill>
               </a:rPr>
-              <a:t>Final presentation</a:t>
+              <a:t>Final Presentation</a:t>
             </a:r>
             <a:br>
               <a:rPr lang="en-US" sz="4800" b="1" dirty="0">
@@ -7347,7 +7347,12 @@
             <p:ph type="title"/>
           </p:nvPr>
         </p:nvSpPr>
-        <p:spPr/>
+        <p:spPr>
+          <a:xfrm>
+            <a:off x="850701" y="164652"/>
+            <a:ext cx="10515600" cy="1325563"/>
+          </a:xfrm>
+        </p:spPr>
         <p:txBody>
           <a:bodyPr>
             <a:normAutofit fontScale="90000"/>
@@ -9995,13 +10000,13 @@
         </p:nvSpPr>
         <p:spPr>
           <a:xfrm>
-            <a:off x="305349" y="603066"/>
-            <a:ext cx="10319512" cy="592536"/>
+            <a:off x="464543" y="141717"/>
+            <a:ext cx="10319512" cy="1053885"/>
           </a:xfrm>
         </p:spPr>
         <p:txBody>
           <a:bodyPr vert="horz" lIns="91440" tIns="45720" rIns="91440" bIns="45720" rtlCol="0" anchor="b">
-            <a:normAutofit fontScale="90000"/>
+            <a:normAutofit/>
           </a:bodyPr>
           <a:lstStyle/>
           <a:p>
@@ -10124,7 +10129,7 @@
                 <a:ea typeface="Times New Roman" panose="02020603050405020304" pitchFamily="18" charset="0"/>
                 <a:cs typeface="Arial" panose="020B0604020202020204" pitchFamily="34" charset="0"/>
               </a:rPr>
-              <a:t>adding 2 input pins (one for data, one for instructions), and taking advantage of the fact that Tower S-RAMs can write to 2 different addresses in parallel.</a:t>
+              <a:t>adding 2 input pins (one for data, one for instructions) and taking advantage of the fact that Tower S-RAMs can write to 2 different addresses in parallel.</a:t>
             </a:r>
           </a:p>
           <a:p>
@@ -10262,7 +10267,7 @@
         </p:nvSpPr>
         <p:spPr>
           <a:xfrm>
-            <a:off x="213908" y="0"/>
+            <a:off x="147594" y="27432"/>
             <a:ext cx="11896811" cy="961922"/>
           </a:xfrm>
         </p:spPr>
@@ -10272,7 +10277,7 @@
           </a:bodyPr>
           <a:lstStyle/>
           <a:p>
-            <a:pPr rtl="0"/>
+            <a:pPr algn="ctr" rtl="0"/>
             <a:r>
               <a:rPr lang="en-US" sz="3200" b="1" i="0" kern="1200" dirty="0">
                 <a:solidFill>
@@ -10352,7 +10357,7 @@
           <a:p>
             <a:r>
               <a:rPr lang="en-US" dirty="0"/>
-              <a:t> This externally controlled MUX allowed users to select and observe specific signals dynamically, enabling real-time inspection of key Datapath and memory elements such as ALU results, fetched opcodes, register values, memory addresses, and read/write data.</a:t>
+              <a:t> This externally controlled MUX allowed users to select and observe specific signals dynamically, enabling real-time inspection of key Datapath and memory elements such as ALU results, fetched opcodes, register values, memory addresses and read/write data.</a:t>
             </a:r>
             <a:endParaRPr lang="en-US" sz="2400" dirty="0">
               <a:effectLst/>
@@ -10487,7 +10492,7 @@
         </p:nvSpPr>
         <p:spPr>
           <a:xfrm>
-            <a:off x="579669" y="10153"/>
+            <a:off x="936244" y="10153"/>
             <a:ext cx="10319512" cy="1003578"/>
           </a:xfrm>
         </p:spPr>
@@ -13924,7 +13929,7 @@
         </p:nvSpPr>
         <p:spPr>
           <a:xfrm>
-            <a:off x="298704" y="145669"/>
+            <a:off x="838200" y="150018"/>
             <a:ext cx="10515600" cy="1325563"/>
           </a:xfrm>
         </p:spPr>
@@ -13932,6 +13937,7 @@
           <a:bodyPr/>
           <a:lstStyle/>
           <a:p>
+            <a:pPr algn="ctr"/>
             <a:r>
               <a:rPr lang="en-US" sz="4400" b="1" i="0" kern="1200" dirty="0">
                 <a:solidFill>
@@ -13941,7 +13947,7 @@
                 <a:ea typeface="+mj-ea"/>
                 <a:cs typeface="+mj-cs"/>
               </a:rPr>
-              <a:t>Back-end flow:</a:t>
+              <a:t>Back-end flow</a:t>
             </a:r>
             <a:endParaRPr lang="he-IL" b="1" dirty="0"/>
           </a:p>
@@ -14187,7 +14193,7 @@
         </p:nvSpPr>
         <p:spPr>
           <a:xfrm>
-            <a:off x="298704" y="145669"/>
+            <a:off x="780796" y="0"/>
             <a:ext cx="10515600" cy="1325563"/>
           </a:xfrm>
         </p:spPr>
@@ -14195,20 +14201,10 @@
           <a:bodyPr/>
           <a:lstStyle/>
           <a:p>
+            <a:pPr algn="ctr"/>
             <a:r>
               <a:rPr lang="en-US" b="1" dirty="0"/>
-              <a:t>Synthesis flow </a:t>
-            </a:r>
-            <a:r>
-              <a:rPr lang="en-US" sz="4400" b="1" i="0" kern="1200" dirty="0">
-                <a:solidFill>
-                  <a:schemeClr val="tx1"/>
-                </a:solidFill>
-                <a:effectLst/>
-                <a:ea typeface="+mj-ea"/>
-                <a:cs typeface="+mj-cs"/>
-              </a:rPr>
-              <a:t>:</a:t>
+              <a:t>Synthesis flow</a:t>
             </a:r>
             <a:endParaRPr lang="he-IL" b="1" dirty="0"/>
           </a:p>
@@ -14430,7 +14426,7 @@
         </p:nvSpPr>
         <p:spPr>
           <a:xfrm>
-            <a:off x="288544" y="0"/>
+            <a:off x="838200" y="-9144"/>
             <a:ext cx="10515600" cy="1325563"/>
           </a:xfrm>
         </p:spPr>
@@ -14438,20 +14434,10 @@
           <a:bodyPr/>
           <a:lstStyle/>
           <a:p>
+            <a:pPr algn="ctr"/>
             <a:r>
               <a:rPr lang="en-US" b="1" dirty="0"/>
-              <a:t>Layout flow </a:t>
-            </a:r>
-            <a:r>
-              <a:rPr lang="en-US" sz="4400" b="1" i="0" kern="1200" dirty="0">
-                <a:solidFill>
-                  <a:schemeClr val="tx1"/>
-                </a:solidFill>
-                <a:effectLst/>
-                <a:ea typeface="+mj-ea"/>
-                <a:cs typeface="+mj-cs"/>
-              </a:rPr>
-              <a:t>:</a:t>
+              <a:t>Layout flow</a:t>
             </a:r>
             <a:endParaRPr lang="he-IL" b="1" dirty="0"/>
           </a:p>
@@ -14684,7 +14670,7 @@
         </p:nvSpPr>
         <p:spPr>
           <a:xfrm>
-            <a:off x="288544" y="0"/>
+            <a:off x="838200" y="0"/>
             <a:ext cx="10515600" cy="1325563"/>
           </a:xfrm>
         </p:spPr>
@@ -14692,9 +14678,10 @@
           <a:bodyPr/>
           <a:lstStyle/>
           <a:p>
+            <a:pPr algn="ctr"/>
             <a:r>
               <a:rPr lang="en-US" b="1" dirty="0"/>
-              <a:t>STA Check:</a:t>
+              <a:t>STA Check</a:t>
             </a:r>
             <a:endParaRPr lang="he-IL" b="1" dirty="0"/>
           </a:p>
@@ -14791,7 +14778,7 @@
             </a:r>
             <a:r>
               <a:rPr lang="en-IL" dirty="0"/>
-              <a:t>, and </a:t>
+              <a:t> and </a:t>
             </a:r>
             <a:r>
               <a:rPr lang="en-IL" b="1" dirty="0"/>
@@ -14881,16 +14868,22 @@
             <p:ph type="title"/>
           </p:nvPr>
         </p:nvSpPr>
-        <p:spPr/>
+        <p:spPr>
+          <a:xfrm>
+            <a:off x="838200" y="374269"/>
+            <a:ext cx="10515600" cy="1325563"/>
+          </a:xfrm>
+        </p:spPr>
         <p:txBody>
           <a:bodyPr/>
           <a:lstStyle/>
           <a:p>
-            <a:r>
-              <a:rPr lang="en-US" dirty="0"/>
+            <a:pPr algn="ctr"/>
+            <a:r>
+              <a:rPr lang="en-US" b="1" dirty="0"/>
               <a:t>Challenges &amp; problems</a:t>
             </a:r>
-            <a:endParaRPr lang="en-IL" dirty="0"/>
+            <a:endParaRPr lang="en-IL" b="1" dirty="0"/>
           </a:p>
         </p:txBody>
       </p:sp>
@@ -14917,7 +14910,7 @@
           <a:p>
             <a:r>
               <a:rPr lang="en-US" dirty="0"/>
-              <a:t>The master design initially failed during compilation because the synthesis tool could not detect the FBJA memory, resulting in a compilation error. To resolve this issue, a virtual FBJA memory was used.</a:t>
+              <a:t>The original design initially failed during compilation because the synthesis tool could not detect the FBJA memory, resulting in a compilation error. To resolve this issue, a virtual FBJA memory was used.</a:t>
             </a:r>
             <a:endParaRPr lang="en-IL" dirty="0"/>
           </a:p>
@@ -14971,7 +14964,7 @@
         </p:nvSpPr>
         <p:spPr>
           <a:xfrm>
-            <a:off x="187960" y="182245"/>
+            <a:off x="513080" y="182245"/>
             <a:ext cx="10515600" cy="1325563"/>
           </a:xfrm>
         </p:spPr>
@@ -14979,11 +14972,12 @@
           <a:bodyPr/>
           <a:lstStyle/>
           <a:p>
-            <a:r>
-              <a:rPr lang="en-US" dirty="0"/>
+            <a:pPr algn="ctr"/>
+            <a:r>
+              <a:rPr lang="en-US" b="1" dirty="0"/>
               <a:t>Challenges &amp; problems</a:t>
             </a:r>
-            <a:endParaRPr lang="en-IL" dirty="0"/>
+            <a:endParaRPr lang="en-IL" b="1" dirty="0"/>
           </a:p>
         </p:txBody>
       </p:sp>
@@ -15279,7 +15273,7 @@
         </p:nvSpPr>
         <p:spPr>
           <a:xfrm>
-            <a:off x="591312" y="328549"/>
+            <a:off x="591312" y="246253"/>
             <a:ext cx="10515600" cy="1325563"/>
           </a:xfrm>
         </p:spPr>
@@ -15289,7 +15283,7 @@
           </a:bodyPr>
           <a:lstStyle/>
           <a:p>
-            <a:pPr rtl="0"/>
+            <a:pPr algn="ctr" rtl="0"/>
             <a:r>
               <a:rPr lang="en-US" b="1" dirty="0">
                 <a:cs typeface="Arial" panose="020B0604020202020204" pitchFamily="34" charset="0"/>
@@ -15375,8 +15369,17 @@
               <a:rPr lang="en-US" dirty="0">
                 <a:cs typeface="Arial" panose="020B0604020202020204" pitchFamily="34" charset="0"/>
               </a:rPr>
-              <a:t>Back-end flow.</a:t>
-            </a:r>
+              <a:t>Back-end flow, Synthesis flow, Layout flow and STA.</a:t>
+            </a:r>
+          </a:p>
+          <a:p>
+            <a:r>
+              <a:rPr lang="en-US" dirty="0"/>
+              <a:t>Challenges &amp; problems.</a:t>
+            </a:r>
+            <a:endParaRPr lang="en-US" dirty="0">
+              <a:cs typeface="Arial" panose="020B0604020202020204" pitchFamily="34" charset="0"/>
+            </a:endParaRPr>
           </a:p>
           <a:p>
             <a:pPr rtl="0"/>
@@ -15384,7 +15387,7 @@
               <a:rPr lang="en-US" dirty="0">
                 <a:cs typeface="Arial" panose="020B0604020202020204" pitchFamily="34" charset="0"/>
               </a:rPr>
-              <a:t>Results</a:t>
+              <a:t>Results &amp; Simulations.</a:t>
             </a:r>
             <a:br>
               <a:rPr lang="en-US" dirty="0"/>
@@ -15439,16 +15442,22 @@
             <p:ph type="title"/>
           </p:nvPr>
         </p:nvSpPr>
-        <p:spPr/>
+        <p:spPr>
+          <a:xfrm>
+            <a:off x="838200" y="401701"/>
+            <a:ext cx="10515600" cy="1325563"/>
+          </a:xfrm>
+        </p:spPr>
         <p:txBody>
           <a:bodyPr/>
           <a:lstStyle/>
           <a:p>
-            <a:r>
-              <a:rPr lang="en-US" dirty="0"/>
+            <a:pPr algn="ctr"/>
+            <a:r>
+              <a:rPr lang="en-US" b="1" dirty="0"/>
               <a:t>Challenges &amp; problems</a:t>
             </a:r>
-            <a:endParaRPr lang="en-IL" dirty="0"/>
+            <a:endParaRPr lang="en-IL" b="1" dirty="0"/>
           </a:p>
         </p:txBody>
       </p:sp>
@@ -15611,7 +15620,7 @@
         </p:nvSpPr>
         <p:spPr>
           <a:xfrm>
-            <a:off x="298704" y="145669"/>
+            <a:off x="716788" y="163302"/>
             <a:ext cx="10515600" cy="1325563"/>
           </a:xfrm>
         </p:spPr>
@@ -15619,6 +15628,7 @@
           <a:bodyPr/>
           <a:lstStyle/>
           <a:p>
+            <a:pPr algn="ctr"/>
             <a:r>
               <a:rPr lang="en-US" sz="4400" b="1" i="0" kern="1200" dirty="0">
                 <a:solidFill>
@@ -15770,7 +15780,7 @@
         </p:nvSpPr>
         <p:spPr>
           <a:xfrm>
-            <a:off x="712216" y="206216"/>
+            <a:off x="838200" y="96520"/>
             <a:ext cx="10515600" cy="1325563"/>
           </a:xfrm>
         </p:spPr>
@@ -15778,6 +15788,7 @@
           <a:bodyPr/>
           <a:lstStyle/>
           <a:p>
+            <a:pPr algn="ctr"/>
             <a:r>
               <a:rPr lang="en-US" b="1" dirty="0"/>
               <a:t>Results</a:t>
@@ -16130,11 +16141,17 @@
             <p:ph type="title"/>
           </p:nvPr>
         </p:nvSpPr>
-        <p:spPr/>
+        <p:spPr>
+          <a:xfrm>
+            <a:off x="914400" y="322190"/>
+            <a:ext cx="8906256" cy="1325563"/>
+          </a:xfrm>
+        </p:spPr>
         <p:txBody>
           <a:bodyPr/>
           <a:lstStyle/>
           <a:p>
+            <a:pPr algn="ctr"/>
             <a:r>
               <a:rPr lang="en-US" b="1" dirty="0"/>
               <a:t>	Simulation – memory write/read</a:t>
@@ -16306,7 +16323,12 @@
             <p:ph type="title"/>
           </p:nvPr>
         </p:nvSpPr>
-        <p:spPr/>
+        <p:spPr>
+          <a:xfrm>
+            <a:off x="1218413" y="124218"/>
+            <a:ext cx="10515600" cy="1325563"/>
+          </a:xfrm>
+        </p:spPr>
         <p:txBody>
           <a:bodyPr/>
           <a:lstStyle/>
@@ -17160,7 +17182,7 @@
         </p:nvSpPr>
         <p:spPr>
           <a:xfrm>
-            <a:off x="237744" y="609600"/>
+            <a:off x="1155753" y="97662"/>
             <a:ext cx="9447678" cy="1282459"/>
           </a:xfrm>
         </p:spPr>
@@ -17170,8 +17192,9 @@
           </a:bodyPr>
           <a:lstStyle/>
           <a:p>
-            <a:r>
-              <a:rPr lang="en-US" b="1">
+            <a:pPr algn="ctr"/>
+            <a:r>
+              <a:rPr lang="en-US" b="1" dirty="0">
                 <a:cs typeface="Arial" panose="020B0604020202020204" pitchFamily="34" charset="0"/>
               </a:rPr>
               <a:t>Background &amp; Motivation</a:t>
@@ -17200,8 +17223,8 @@
         </p:nvSpPr>
         <p:spPr>
           <a:xfrm>
-            <a:off x="237744" y="1564640"/>
-            <a:ext cx="11283696" cy="4955032"/>
+            <a:off x="237744" y="1195602"/>
+            <a:ext cx="11283696" cy="5564736"/>
           </a:xfrm>
         </p:spPr>
         <p:txBody>
@@ -17216,50 +17239,55 @@
             </a:r>
           </a:p>
           <a:p>
+            <a:endParaRPr lang="en-US" sz="2400" dirty="0"/>
+          </a:p>
+          <a:p>
             <a:r>
               <a:rPr lang="en-US" sz="2400" dirty="0"/>
-              <a:t> The purpose of this project is to take the pipelined version of RISC V presented in the course and prepare it for a potential fabrication, while: </a:t>
-            </a:r>
-          </a:p>
-          <a:p>
-            <a:pPr marL="0" indent="0">
+              <a:t>The purpose of this project is to take the pipelined version of RISC V presented in the course and prepare it for a potential fabrication, while: </a:t>
+            </a:r>
+          </a:p>
+          <a:p>
+            <a:pPr marL="914400" lvl="1" indent="-457200">
+              <a:buFont typeface="+mj-lt"/>
+              <a:buAutoNum type="arabicParenR"/>
+            </a:pPr>
+            <a:r>
+              <a:rPr lang="en-US" dirty="0"/>
+              <a:t>Making other changes that will reduce the required area &amp; power memories consume (by using Tower SRAMs). </a:t>
+            </a:r>
+          </a:p>
+          <a:p>
+            <a:pPr marL="914400" lvl="1" indent="-457200">
+              <a:buFont typeface="+mj-lt"/>
+              <a:buAutoNum type="arabicParenR"/>
+            </a:pPr>
+            <a:r>
+              <a:rPr lang="en-US" dirty="0"/>
+              <a:t>Create an external memory loading method.</a:t>
+            </a:r>
+          </a:p>
+          <a:p>
+            <a:pPr marL="914400" lvl="1" indent="-457200">
+              <a:buFont typeface="+mj-lt"/>
+              <a:buAutoNum type="arabicParenR"/>
+            </a:pPr>
+            <a:r>
+              <a:rPr lang="en-US" dirty="0"/>
+              <a:t>Adding debugging capabilities that allow access to internal registers after fabrication.</a:t>
+            </a:r>
+          </a:p>
+          <a:p>
+            <a:pPr marL="457200" lvl="1" indent="0">
               <a:buNone/>
             </a:pPr>
-            <a:r>
-              <a:rPr lang="en-US" sz="2400" dirty="0"/>
-              <a:t>	1) making other changes that will reduce the required area &amp; power 	memories consume (by using Tower SRAMs). </a:t>
-            </a:r>
-          </a:p>
-          <a:p>
-            <a:pPr marL="0" indent="0">
-              <a:buNone/>
-            </a:pPr>
-            <a:r>
-              <a:rPr lang="en-US" sz="2400" dirty="0"/>
-              <a:t>	2) create an external memory loading method.</a:t>
-            </a:r>
-          </a:p>
-          <a:p>
-            <a:pPr marL="0" indent="0">
-              <a:buNone/>
-            </a:pPr>
-            <a:r>
-              <a:rPr lang="en-US" sz="2400" dirty="0"/>
-              <a:t>	3) adding debugging capabilities that allow access to internal registers. 	after fabrication.</a:t>
-            </a:r>
+            <a:endParaRPr lang="en-US" dirty="0"/>
           </a:p>
           <a:p>
             <a:r>
               <a:rPr lang="en-US" sz="2400" dirty="0"/>
               <a:t>The original code needs to be modified to allow the backend stages to be executed correctly.</a:t>
             </a:r>
-          </a:p>
-          <a:p>
-            <a:pPr>
-              <a:buFont typeface="+mj-lt"/>
-              <a:buAutoNum type="arabicPeriod"/>
-            </a:pPr>
-            <a:endParaRPr lang="en-US" sz="2000" dirty="0"/>
           </a:p>
         </p:txBody>
       </p:sp>
@@ -17449,7 +17477,7 @@
         </p:nvSpPr>
         <p:spPr>
           <a:xfrm>
-            <a:off x="214233" y="438277"/>
+            <a:off x="838200" y="396981"/>
             <a:ext cx="10515600" cy="1325563"/>
           </a:xfrm>
         </p:spPr>
@@ -17459,13 +17487,14 @@
           </a:bodyPr>
           <a:lstStyle/>
           <a:p>
-            <a:r>
-              <a:rPr lang="en-US" b="1">
+            <a:pPr algn="ctr"/>
+            <a:r>
+              <a:rPr lang="en-US" b="1" dirty="0">
                 <a:cs typeface="Arial" panose="020B0604020202020204" pitchFamily="34" charset="0"/>
               </a:rPr>
               <a:t>Goals</a:t>
             </a:r>
-            <a:endParaRPr lang="en-IL">
+            <a:endParaRPr lang="en-IL" dirty="0">
               <a:cs typeface="Arial" panose="020B0604020202020204" pitchFamily="34" charset="0"/>
             </a:endParaRPr>
           </a:p>
@@ -17622,7 +17651,7 @@
         </p:nvSpPr>
         <p:spPr>
           <a:xfrm>
-            <a:off x="111206" y="220747"/>
+            <a:off x="928088" y="201635"/>
             <a:ext cx="9392421" cy="1330841"/>
           </a:xfrm>
         </p:spPr>
@@ -17632,7 +17661,7 @@
           </a:bodyPr>
           <a:lstStyle/>
           <a:p>
-            <a:pPr rtl="0"/>
+            <a:pPr algn="ctr" rtl="0"/>
             <a:r>
               <a:rPr lang="en-US" b="1" i="0" dirty="0">
                 <a:effectLst/>
@@ -17905,13 +17934,13 @@
         </p:nvSpPr>
         <p:spPr>
           <a:xfrm>
-            <a:off x="305349" y="603066"/>
-            <a:ext cx="10319512" cy="592536"/>
+            <a:off x="936244" y="45720"/>
+            <a:ext cx="10319512" cy="1004868"/>
           </a:xfrm>
         </p:spPr>
         <p:txBody>
           <a:bodyPr vert="horz" lIns="91440" tIns="45720" rIns="91440" bIns="45720" rtlCol="0" anchor="b">
-            <a:normAutofit fontScale="90000"/>
+            <a:normAutofit/>
           </a:bodyPr>
           <a:lstStyle/>
           <a:p>
@@ -18190,7 +18219,7 @@
         </p:nvSpPr>
         <p:spPr>
           <a:xfrm>
-            <a:off x="298704" y="145669"/>
+            <a:off x="838200" y="163302"/>
             <a:ext cx="10515600" cy="1325563"/>
           </a:xfrm>
         </p:spPr>
@@ -18198,7 +18227,7 @@
           <a:bodyPr/>
           <a:lstStyle/>
           <a:p>
-            <a:pPr algn="l" rtl="0"/>
+            <a:pPr algn="ctr" rtl="0"/>
             <a:r>
               <a:rPr lang="en-US" sz="4400" b="1" i="0" kern="1200" dirty="0">
                 <a:solidFill>
@@ -18457,8 +18486,8 @@
         </p:nvSpPr>
         <p:spPr>
           <a:xfrm>
-            <a:off x="295189" y="338906"/>
-            <a:ext cx="10319512" cy="592536"/>
+            <a:off x="936244" y="256032"/>
+            <a:ext cx="10319512" cy="619530"/>
           </a:xfrm>
         </p:spPr>
         <p:txBody>
@@ -18467,7 +18496,7 @@
           </a:bodyPr>
           <a:lstStyle/>
           <a:p>
-            <a:pPr rtl="0"/>
+            <a:pPr algn="ctr" rtl="0"/>
             <a:r>
               <a:rPr lang="en-US" sz="3200" b="1" i="0" kern="1200" dirty="0">
                 <a:solidFill>
@@ -18478,7 +18507,7 @@
                 <a:ea typeface="+mj-ea"/>
                 <a:cs typeface="+mj-cs"/>
               </a:rPr>
-              <a:t>Code &amp; design changes </a:t>
+              <a:t>Code &amp; Design changes </a:t>
             </a:r>
             <a:endParaRPr lang="en-US" sz="3200" b="1" kern="1200" dirty="0">
               <a:solidFill>
@@ -18539,7 +18568,7 @@
           <a:p>
             <a:r>
               <a:rPr lang="en-US" sz="2000" dirty="0"/>
-              <a:t>The design provided incorrect results whenever running commands with an undeviable-by-4 address, and the fact that the FPGA memories operated upon the clock falling (not rising).</a:t>
+              <a:t>The design provided incorrect results whenever running commands with undivisible-by-4 address, and the fact that the FPGA memories operated upon the clock falling (not rising).</a:t>
             </a:r>
           </a:p>
           <a:p>
@@ -18608,7 +18637,12 @@
             <p:ph type="title"/>
           </p:nvPr>
         </p:nvSpPr>
-        <p:spPr/>
+        <p:spPr>
+          <a:xfrm>
+            <a:off x="838200" y="351567"/>
+            <a:ext cx="10515600" cy="1325563"/>
+          </a:xfrm>
+        </p:spPr>
         <p:txBody>
           <a:bodyPr>
             <a:normAutofit fontScale="90000"/>
@@ -18625,7 +18659,7 @@
             </a:br>
             <a:r>
               <a:rPr lang="en-US" b="1" dirty="0"/>
-              <a:t>instruction memory</a:t>
+              <a:t>Instruction memory</a:t>
             </a:r>
             <a:endParaRPr lang="en-IL" b="1" dirty="0"/>
           </a:p>

--- a/Presintaions and Reports/Final presentaion VLSI project 7880.pptx
+++ b/Presintaions and Reports/Final presentaion VLSI project 7880.pptx
@@ -5,7 +5,7 @@
     <p:sldMasterId id="2147483648" r:id="rId1"/>
   </p:sldMasterIdLst>
   <p:notesMasterIdLst>
-    <p:notesMasterId r:id="rId27"/>
+    <p:notesMasterId r:id="rId28"/>
   </p:notesMasterIdLst>
   <p:sldIdLst>
     <p:sldId id="257" r:id="rId2"/>
@@ -25,14 +25,15 @@
     <p:sldId id="310" r:id="rId16"/>
     <p:sldId id="311" r:id="rId17"/>
     <p:sldId id="312" r:id="rId18"/>
-    <p:sldId id="317" r:id="rId19"/>
-    <p:sldId id="302" r:id="rId20"/>
-    <p:sldId id="316" r:id="rId21"/>
-    <p:sldId id="303" r:id="rId22"/>
-    <p:sldId id="305" r:id="rId23"/>
-    <p:sldId id="306" r:id="rId24"/>
-    <p:sldId id="307" r:id="rId25"/>
-    <p:sldId id="308" r:id="rId26"/>
+    <p:sldId id="318" r:id="rId19"/>
+    <p:sldId id="317" r:id="rId20"/>
+    <p:sldId id="302" r:id="rId21"/>
+    <p:sldId id="316" r:id="rId22"/>
+    <p:sldId id="303" r:id="rId23"/>
+    <p:sldId id="305" r:id="rId24"/>
+    <p:sldId id="306" r:id="rId25"/>
+    <p:sldId id="307" r:id="rId26"/>
+    <p:sldId id="308" r:id="rId27"/>
   </p:sldIdLst>
   <p:sldSz cx="12192000" cy="6858000"/>
   <p:notesSz cx="6858000" cy="9144000"/>
@@ -7369,7 +7370,7 @@
             </a:br>
             <a:r>
               <a:rPr lang="en-US" b="1" dirty="0"/>
-              <a:t>data memory</a:t>
+              <a:t>Data memory</a:t>
             </a:r>
             <a:endParaRPr lang="en-IL" dirty="0"/>
           </a:p>
@@ -10044,7 +10045,7 @@
                 <a:ea typeface="+mj-ea"/>
                 <a:cs typeface="+mj-cs"/>
               </a:rPr>
-              <a:t>memory loading mechanism </a:t>
+              <a:t>Memory loading mechanism </a:t>
             </a:r>
             <a:endParaRPr lang="en-US" sz="3200" b="1" kern="1200" dirty="0">
               <a:solidFill>
@@ -14284,7 +14285,7 @@
             </a:r>
             <a:r>
               <a:rPr lang="en-US" dirty="0"/>
-              <a:t>, we had to parameterize some general-use modules that we integrated into the design (especially muxes), while always checking the design after compile to ensure area and timing efficacy.</a:t>
+              <a:t>, we had to parameterize some general-use modules that we integrated into the design (especially muxes), while always checking the design after compile to ensure area and timing efficiency.</a:t>
             </a:r>
             <a:endParaRPr lang="en-IL" dirty="0"/>
           </a:p>
@@ -14857,7 +14858,7 @@
           <p:cNvPr id="2" name="Title 1">
             <a:extLst>
               <a:ext uri="{FF2B5EF4-FFF2-40B4-BE49-F238E27FC236}">
-                <a16:creationId xmlns:a16="http://schemas.microsoft.com/office/drawing/2014/main" id="{9723E24F-B6F7-847F-2A1E-547B1D4A8977}"/>
+                <a16:creationId xmlns:a16="http://schemas.microsoft.com/office/drawing/2014/main" id="{0FCF95F2-CED7-B1A4-0C47-CFF2DFA6C810}"/>
               </a:ext>
             </a:extLst>
           </p:cNvPr>
@@ -14868,12 +14869,7 @@
             <p:ph type="title"/>
           </p:nvPr>
         </p:nvSpPr>
-        <p:spPr>
-          <a:xfrm>
-            <a:off x="838200" y="374269"/>
-            <a:ext cx="10515600" cy="1325563"/>
-          </a:xfrm>
-        </p:spPr>
+        <p:spPr/>
         <p:txBody>
           <a:bodyPr/>
           <a:lstStyle/>
@@ -14881,7 +14877,106 @@
             <a:pPr algn="ctr"/>
             <a:r>
               <a:rPr lang="en-US" b="1" dirty="0"/>
-              <a:t>Challenges &amp; problems</a:t>
+              <a:t>STA Check</a:t>
+            </a:r>
+            <a:endParaRPr lang="en-IL" dirty="0"/>
+          </a:p>
+        </p:txBody>
+      </p:sp>
+      <p:pic>
+        <p:nvPicPr>
+          <p:cNvPr id="4" name="Content Placeholder 3">
+            <a:extLst>
+              <a:ext uri="{FF2B5EF4-FFF2-40B4-BE49-F238E27FC236}">
+                <a16:creationId xmlns:a16="http://schemas.microsoft.com/office/drawing/2014/main" id="{B5319FE9-44AE-C811-7BF0-BC82B0DB5B79}"/>
+              </a:ext>
+            </a:extLst>
+          </p:cNvPr>
+          <p:cNvPicPr>
+            <a:picLocks noGrp="1" noChangeAspect="1"/>
+          </p:cNvPicPr>
+          <p:nvPr>
+            <p:ph idx="1"/>
+          </p:nvPr>
+        </p:nvPicPr>
+        <p:blipFill>
+          <a:blip r:embed="rId2"/>
+          <a:stretch>
+            <a:fillRect/>
+          </a:stretch>
+        </p:blipFill>
+        <p:spPr>
+          <a:xfrm>
+            <a:off x="838200" y="1726242"/>
+            <a:ext cx="10515600" cy="2028440"/>
+          </a:xfrm>
+          <a:prstGeom prst="rect">
+            <a:avLst/>
+          </a:prstGeom>
+        </p:spPr>
+      </p:pic>
+      <p:pic>
+        <p:nvPicPr>
+          <p:cNvPr id="5" name="Picture 4">
+            <a:extLst>
+              <a:ext uri="{FF2B5EF4-FFF2-40B4-BE49-F238E27FC236}">
+                <a16:creationId xmlns:a16="http://schemas.microsoft.com/office/drawing/2014/main" id="{775C8CF5-80A2-B933-19C3-E1EAB8396FF9}"/>
+              </a:ext>
+            </a:extLst>
+          </p:cNvPr>
+          <p:cNvPicPr>
+            <a:picLocks noChangeAspect="1"/>
+          </p:cNvPicPr>
+          <p:nvPr/>
+        </p:nvPicPr>
+        <p:blipFill>
+          <a:blip r:embed="rId3"/>
+          <a:stretch>
+            <a:fillRect/>
+          </a:stretch>
+        </p:blipFill>
+        <p:spPr>
+          <a:xfrm>
+            <a:off x="838199" y="4464434"/>
+            <a:ext cx="10515601" cy="2028441"/>
+          </a:xfrm>
+          <a:prstGeom prst="rect">
+            <a:avLst/>
+          </a:prstGeom>
+        </p:spPr>
+      </p:pic>
+      <p:sp>
+        <p:nvSpPr>
+          <p:cNvPr id="6" name="TextBox 5">
+            <a:extLst>
+              <a:ext uri="{FF2B5EF4-FFF2-40B4-BE49-F238E27FC236}">
+                <a16:creationId xmlns:a16="http://schemas.microsoft.com/office/drawing/2014/main" id="{03324DFB-5480-B35A-1BF2-B5FD75DC7576}"/>
+              </a:ext>
+            </a:extLst>
+          </p:cNvPr>
+          <p:cNvSpPr txBox="1"/>
+          <p:nvPr/>
+        </p:nvSpPr>
+        <p:spPr>
+          <a:xfrm>
+            <a:off x="5588508" y="1405992"/>
+            <a:ext cx="1014984" cy="369332"/>
+          </a:xfrm>
+          <a:prstGeom prst="rect">
+            <a:avLst/>
+          </a:prstGeom>
+          <a:noFill/>
+        </p:spPr>
+        <p:txBody>
+          <a:bodyPr wrap="square" rtlCol="0">
+            <a:spAutoFit/>
+          </a:bodyPr>
+          <a:lstStyle/>
+          <a:p>
+            <a:pPr algn="ctr"/>
+            <a:r>
+              <a:rPr lang="en-US" b="1" dirty="0"/>
+              <a:t>Setup</a:t>
             </a:r>
             <a:endParaRPr lang="en-IL" b="1" dirty="0"/>
           </a:p>
@@ -14889,37 +14984,45 @@
       </p:sp>
       <p:sp>
         <p:nvSpPr>
-          <p:cNvPr id="3" name="Content Placeholder 2">
-            <a:extLst>
-              <a:ext uri="{FF2B5EF4-FFF2-40B4-BE49-F238E27FC236}">
-                <a16:creationId xmlns:a16="http://schemas.microsoft.com/office/drawing/2014/main" id="{A21B0AED-389D-5753-38C3-4BE32DD3689A}"/>
-              </a:ext>
-            </a:extLst>
-          </p:cNvPr>
-          <p:cNvSpPr>
-            <a:spLocks noGrp="1"/>
-          </p:cNvSpPr>
-          <p:nvPr>
-            <p:ph idx="1"/>
-          </p:nvPr>
+          <p:cNvPr id="7" name="TextBox 6">
+            <a:extLst>
+              <a:ext uri="{FF2B5EF4-FFF2-40B4-BE49-F238E27FC236}">
+                <a16:creationId xmlns:a16="http://schemas.microsoft.com/office/drawing/2014/main" id="{0FE5B9FC-FF55-2EF8-FE50-F1EF8C9ADEB9}"/>
+              </a:ext>
+            </a:extLst>
+          </p:cNvPr>
+          <p:cNvSpPr txBox="1"/>
+          <p:nvPr/>
         </p:nvSpPr>
-        <p:spPr/>
+        <p:spPr>
+          <a:xfrm>
+            <a:off x="5588508" y="4095102"/>
+            <a:ext cx="1014984" cy="369332"/>
+          </a:xfrm>
+          <a:prstGeom prst="rect">
+            <a:avLst/>
+          </a:prstGeom>
+          <a:noFill/>
+        </p:spPr>
         <p:txBody>
-          <a:bodyPr/>
+          <a:bodyPr wrap="square" rtlCol="0">
+            <a:spAutoFit/>
+          </a:bodyPr>
           <a:lstStyle/>
           <a:p>
-            <a:r>
-              <a:rPr lang="en-US" dirty="0"/>
-              <a:t>The original design initially failed during compilation because the synthesis tool could not detect the FBJA memory, resulting in a compilation error. To resolve this issue, a virtual FBJA memory was used.</a:t>
-            </a:r>
-            <a:endParaRPr lang="en-IL" dirty="0"/>
+            <a:pPr algn="ctr"/>
+            <a:r>
+              <a:rPr lang="en-US" b="1" dirty="0"/>
+              <a:t>Hold</a:t>
+            </a:r>
+            <a:endParaRPr lang="en-IL" b="1" dirty="0"/>
           </a:p>
         </p:txBody>
       </p:sp>
     </p:spTree>
     <p:extLst>
       <p:ext uri="{BB962C8B-B14F-4D97-AF65-F5344CB8AC3E}">
-        <p14:creationId xmlns:p14="http://schemas.microsoft.com/office/powerpoint/2010/main" val="3728729731"/>
+        <p14:creationId xmlns:p14="http://schemas.microsoft.com/office/powerpoint/2010/main" val="2663784427"/>
       </p:ext>
     </p:extLst>
   </p:cSld>
@@ -14951,7 +15054,7 @@
           <p:cNvPr id="2" name="Title 1">
             <a:extLst>
               <a:ext uri="{FF2B5EF4-FFF2-40B4-BE49-F238E27FC236}">
-                <a16:creationId xmlns:a16="http://schemas.microsoft.com/office/drawing/2014/main" id="{1BDC20F6-9510-7273-65C7-D27F01B8CAA7}"/>
+                <a16:creationId xmlns:a16="http://schemas.microsoft.com/office/drawing/2014/main" id="{9723E24F-B6F7-847F-2A1E-547B1D4A8977}"/>
               </a:ext>
             </a:extLst>
           </p:cNvPr>
@@ -14964,7 +15067,7 @@
         </p:nvSpPr>
         <p:spPr>
           <a:xfrm>
-            <a:off x="513080" y="182245"/>
+            <a:off x="838200" y="374269"/>
             <a:ext cx="10515600" cy="1325563"/>
           </a:xfrm>
         </p:spPr>
@@ -14986,7 +15089,7 @@
           <p:cNvPr id="3" name="Content Placeholder 2">
             <a:extLst>
               <a:ext uri="{FF2B5EF4-FFF2-40B4-BE49-F238E27FC236}">
-                <a16:creationId xmlns:a16="http://schemas.microsoft.com/office/drawing/2014/main" id="{0B09C33B-B383-9E8F-BBD4-E3C71A600F03}"/>
+                <a16:creationId xmlns:a16="http://schemas.microsoft.com/office/drawing/2014/main" id="{A21B0AED-389D-5753-38C3-4BE32DD3689A}"/>
               </a:ext>
             </a:extLst>
           </p:cNvPr>
@@ -14997,166 +15100,23 @@
             <p:ph idx="1"/>
           </p:nvPr>
         </p:nvSpPr>
-        <p:spPr>
-          <a:xfrm>
-            <a:off x="187960" y="1432560"/>
-            <a:ext cx="11165840" cy="4744403"/>
-          </a:xfrm>
-        </p:spPr>
+        <p:spPr/>
         <p:txBody>
           <a:bodyPr/>
           <a:lstStyle/>
           <a:p>
             <a:r>
-              <a:rPr lang="en-IL" dirty="0"/>
-              <a:t>Design Size</a:t>
-            </a:r>
-            <a:r>
               <a:rPr lang="en-US" dirty="0"/>
-              <a:t> was getting a lot bigger due to the initial debug unit planning, </a:t>
-            </a:r>
-            <a:r>
-              <a:rPr lang="en-IL" dirty="0"/>
-              <a:t>creating a high-density &amp; complex design</a:t>
-            </a:r>
-            <a:r>
-              <a:rPr lang="en-US" dirty="0"/>
-              <a:t>.</a:t>
-            </a:r>
-          </a:p>
-          <a:p>
-            <a:pPr marL="0" indent="0">
-              <a:buNone/>
-            </a:pPr>
-            <a:r>
-              <a:rPr lang="en-US" dirty="0"/>
-              <a:t> 	-We had to re-plan, and used a common solution used in the real           		world, adding a mux to the debug unit outputs, </a:t>
-            </a:r>
-            <a:r>
-              <a:rPr lang="en-IL" dirty="0"/>
-              <a:t>reducing the </a:t>
-            </a:r>
-            <a:r>
-              <a:rPr lang="en-US" dirty="0"/>
-              <a:t>			design size by ~ %60.</a:t>
+              <a:t>The original design initially failed during compilation because the synthesis tool could not detect the FBJA memory, resulting in a compilation error. To resolve this issue, a virtual FBJA memory was used.</a:t>
             </a:r>
             <a:endParaRPr lang="en-IL" dirty="0"/>
-          </a:p>
-          <a:p>
-            <a:endParaRPr lang="en-US" dirty="0"/>
-          </a:p>
-          <a:p>
-            <a:endParaRPr lang="en-US" dirty="0"/>
           </a:p>
         </p:txBody>
       </p:sp>
-      <p:pic>
-        <p:nvPicPr>
-          <p:cNvPr id="4" name="Picture 3">
-            <a:extLst>
-              <a:ext uri="{FF2B5EF4-FFF2-40B4-BE49-F238E27FC236}">
-                <a16:creationId xmlns:a16="http://schemas.microsoft.com/office/drawing/2014/main" id="{67DAB5A7-E004-F93B-8BE5-6D05551B6A04}"/>
-              </a:ext>
-            </a:extLst>
-          </p:cNvPr>
-          <p:cNvPicPr>
-            <a:picLocks noChangeAspect="1"/>
-          </p:cNvPicPr>
-          <p:nvPr/>
-        </p:nvPicPr>
-        <p:blipFill>
-          <a:blip r:embed="rId2"/>
-          <a:stretch>
-            <a:fillRect/>
-          </a:stretch>
-        </p:blipFill>
-        <p:spPr>
-          <a:xfrm>
-            <a:off x="1216448" y="3624546"/>
-            <a:ext cx="3503781" cy="3051209"/>
-          </a:xfrm>
-          <a:prstGeom prst="rect">
-            <a:avLst/>
-          </a:prstGeom>
-        </p:spPr>
-      </p:pic>
-      <p:pic>
-        <p:nvPicPr>
-          <p:cNvPr id="5" name="Picture 4">
-            <a:extLst>
-              <a:ext uri="{FF2B5EF4-FFF2-40B4-BE49-F238E27FC236}">
-                <a16:creationId xmlns:a16="http://schemas.microsoft.com/office/drawing/2014/main" id="{F3D845C6-BD4A-039C-471D-BC1ACAC48AB1}"/>
-              </a:ext>
-            </a:extLst>
-          </p:cNvPr>
-          <p:cNvPicPr>
-            <a:picLocks noChangeAspect="1"/>
-          </p:cNvPicPr>
-          <p:nvPr/>
-        </p:nvPicPr>
-        <p:blipFill>
-          <a:blip r:embed="rId3"/>
-          <a:stretch>
-            <a:fillRect/>
-          </a:stretch>
-        </p:blipFill>
-        <p:spPr>
-          <a:xfrm>
-            <a:off x="6587529" y="3624545"/>
-            <a:ext cx="3503781" cy="3051209"/>
-          </a:xfrm>
-          <a:prstGeom prst="rect">
-            <a:avLst/>
-          </a:prstGeom>
-        </p:spPr>
-      </p:pic>
-      <p:cxnSp>
-        <p:nvCxnSpPr>
-          <p:cNvPr id="7" name="Straight Arrow Connector 6">
-            <a:extLst>
-              <a:ext uri="{FF2B5EF4-FFF2-40B4-BE49-F238E27FC236}">
-                <a16:creationId xmlns:a16="http://schemas.microsoft.com/office/drawing/2014/main" id="{5E93DD01-5774-A6EB-7EEF-E814DAF6EEAD}"/>
-              </a:ext>
-            </a:extLst>
-          </p:cNvPr>
-          <p:cNvCxnSpPr/>
-          <p:nvPr/>
-        </p:nvCxnSpPr>
-        <p:spPr>
-          <a:xfrm>
-            <a:off x="5014762" y="5150149"/>
-            <a:ext cx="1081238" cy="0"/>
-          </a:xfrm>
-          <a:prstGeom prst="straightConnector1">
-            <a:avLst/>
-          </a:prstGeom>
-          <a:ln w="50800">
-            <a:solidFill>
-              <a:srgbClr val="00B050"/>
-            </a:solidFill>
-            <a:headEnd type="none"/>
-            <a:tailEnd type="arrow"/>
-          </a:ln>
-        </p:spPr>
-        <p:style>
-          <a:lnRef idx="2">
-            <a:schemeClr val="accent1"/>
-          </a:lnRef>
-          <a:fillRef idx="0">
-            <a:schemeClr val="accent1"/>
-          </a:fillRef>
-          <a:effectRef idx="1">
-            <a:schemeClr val="accent1"/>
-          </a:effectRef>
-          <a:fontRef idx="minor">
-            <a:schemeClr val="tx1"/>
-          </a:fontRef>
-        </p:style>
-      </p:cxnSp>
     </p:spTree>
     <p:extLst>
       <p:ext uri="{BB962C8B-B14F-4D97-AF65-F5344CB8AC3E}">
-        <p14:creationId xmlns:p14="http://schemas.microsoft.com/office/powerpoint/2010/main" val="1945658646"/>
+        <p14:creationId xmlns:p14="http://schemas.microsoft.com/office/powerpoint/2010/main" val="3728729731"/>
       </p:ext>
     </p:extLst>
   </p:cSld>
@@ -15431,6 +15391,251 @@
           <p:cNvPr id="2" name="Title 1">
             <a:extLst>
               <a:ext uri="{FF2B5EF4-FFF2-40B4-BE49-F238E27FC236}">
+                <a16:creationId xmlns:a16="http://schemas.microsoft.com/office/drawing/2014/main" id="{1BDC20F6-9510-7273-65C7-D27F01B8CAA7}"/>
+              </a:ext>
+            </a:extLst>
+          </p:cNvPr>
+          <p:cNvSpPr>
+            <a:spLocks noGrp="1"/>
+          </p:cNvSpPr>
+          <p:nvPr>
+            <p:ph type="title"/>
+          </p:nvPr>
+        </p:nvSpPr>
+        <p:spPr>
+          <a:xfrm>
+            <a:off x="513080" y="182245"/>
+            <a:ext cx="10515600" cy="1325563"/>
+          </a:xfrm>
+        </p:spPr>
+        <p:txBody>
+          <a:bodyPr/>
+          <a:lstStyle/>
+          <a:p>
+            <a:pPr algn="ctr"/>
+            <a:r>
+              <a:rPr lang="en-US" b="1" dirty="0"/>
+              <a:t>Challenges &amp; problems</a:t>
+            </a:r>
+            <a:endParaRPr lang="en-IL" b="1" dirty="0"/>
+          </a:p>
+        </p:txBody>
+      </p:sp>
+      <p:sp>
+        <p:nvSpPr>
+          <p:cNvPr id="3" name="Content Placeholder 2">
+            <a:extLst>
+              <a:ext uri="{FF2B5EF4-FFF2-40B4-BE49-F238E27FC236}">
+                <a16:creationId xmlns:a16="http://schemas.microsoft.com/office/drawing/2014/main" id="{0B09C33B-B383-9E8F-BBD4-E3C71A600F03}"/>
+              </a:ext>
+            </a:extLst>
+          </p:cNvPr>
+          <p:cNvSpPr>
+            <a:spLocks noGrp="1"/>
+          </p:cNvSpPr>
+          <p:nvPr>
+            <p:ph idx="1"/>
+          </p:nvPr>
+        </p:nvSpPr>
+        <p:spPr>
+          <a:xfrm>
+            <a:off x="187960" y="1432560"/>
+            <a:ext cx="11165840" cy="4744403"/>
+          </a:xfrm>
+        </p:spPr>
+        <p:txBody>
+          <a:bodyPr/>
+          <a:lstStyle/>
+          <a:p>
+            <a:r>
+              <a:rPr lang="en-IL" dirty="0"/>
+              <a:t>Design </a:t>
+            </a:r>
+            <a:r>
+              <a:rPr lang="en-US" dirty="0"/>
+              <a:t>s</a:t>
+            </a:r>
+            <a:r>
+              <a:rPr lang="en-IL" dirty="0" err="1"/>
+              <a:t>ize</a:t>
+            </a:r>
+            <a:r>
+              <a:rPr lang="en-US" dirty="0"/>
+              <a:t> was getting a lot bigger due to the initial debug unit planning, </a:t>
+            </a:r>
+            <a:r>
+              <a:rPr lang="en-IL" dirty="0"/>
+              <a:t>creating a high-density &amp; complex design</a:t>
+            </a:r>
+            <a:r>
+              <a:rPr lang="en-US" dirty="0"/>
+              <a:t>.</a:t>
+            </a:r>
+          </a:p>
+          <a:p>
+            <a:pPr marL="0" indent="0">
+              <a:buNone/>
+            </a:pPr>
+            <a:r>
+              <a:rPr lang="en-US" dirty="0"/>
+              <a:t> 	-We had to re-plan, and used a common solution used in the real           		world, adding a mux to the debug unit outputs, </a:t>
+            </a:r>
+            <a:r>
+              <a:rPr lang="en-IL" dirty="0"/>
+              <a:t>reducing the </a:t>
+            </a:r>
+            <a:r>
+              <a:rPr lang="en-US" dirty="0"/>
+              <a:t>			design size by ~ %60.</a:t>
+            </a:r>
+            <a:endParaRPr lang="en-IL" dirty="0"/>
+          </a:p>
+          <a:p>
+            <a:endParaRPr lang="en-US" dirty="0"/>
+          </a:p>
+          <a:p>
+            <a:endParaRPr lang="en-US" dirty="0"/>
+          </a:p>
+        </p:txBody>
+      </p:sp>
+      <p:pic>
+        <p:nvPicPr>
+          <p:cNvPr id="4" name="Picture 3">
+            <a:extLst>
+              <a:ext uri="{FF2B5EF4-FFF2-40B4-BE49-F238E27FC236}">
+                <a16:creationId xmlns:a16="http://schemas.microsoft.com/office/drawing/2014/main" id="{67DAB5A7-E004-F93B-8BE5-6D05551B6A04}"/>
+              </a:ext>
+            </a:extLst>
+          </p:cNvPr>
+          <p:cNvPicPr>
+            <a:picLocks noChangeAspect="1"/>
+          </p:cNvPicPr>
+          <p:nvPr/>
+        </p:nvPicPr>
+        <p:blipFill>
+          <a:blip r:embed="rId2"/>
+          <a:stretch>
+            <a:fillRect/>
+          </a:stretch>
+        </p:blipFill>
+        <p:spPr>
+          <a:xfrm>
+            <a:off x="1216448" y="3624546"/>
+            <a:ext cx="3503781" cy="3051209"/>
+          </a:xfrm>
+          <a:prstGeom prst="rect">
+            <a:avLst/>
+          </a:prstGeom>
+        </p:spPr>
+      </p:pic>
+      <p:pic>
+        <p:nvPicPr>
+          <p:cNvPr id="5" name="Picture 4">
+            <a:extLst>
+              <a:ext uri="{FF2B5EF4-FFF2-40B4-BE49-F238E27FC236}">
+                <a16:creationId xmlns:a16="http://schemas.microsoft.com/office/drawing/2014/main" id="{F3D845C6-BD4A-039C-471D-BC1ACAC48AB1}"/>
+              </a:ext>
+            </a:extLst>
+          </p:cNvPr>
+          <p:cNvPicPr>
+            <a:picLocks noChangeAspect="1"/>
+          </p:cNvPicPr>
+          <p:nvPr/>
+        </p:nvPicPr>
+        <p:blipFill>
+          <a:blip r:embed="rId3"/>
+          <a:stretch>
+            <a:fillRect/>
+          </a:stretch>
+        </p:blipFill>
+        <p:spPr>
+          <a:xfrm>
+            <a:off x="6587529" y="3624545"/>
+            <a:ext cx="3503781" cy="3051209"/>
+          </a:xfrm>
+          <a:prstGeom prst="rect">
+            <a:avLst/>
+          </a:prstGeom>
+        </p:spPr>
+      </p:pic>
+      <p:cxnSp>
+        <p:nvCxnSpPr>
+          <p:cNvPr id="7" name="Straight Arrow Connector 6">
+            <a:extLst>
+              <a:ext uri="{FF2B5EF4-FFF2-40B4-BE49-F238E27FC236}">
+                <a16:creationId xmlns:a16="http://schemas.microsoft.com/office/drawing/2014/main" id="{5E93DD01-5774-A6EB-7EEF-E814DAF6EEAD}"/>
+              </a:ext>
+            </a:extLst>
+          </p:cNvPr>
+          <p:cNvCxnSpPr/>
+          <p:nvPr/>
+        </p:nvCxnSpPr>
+        <p:spPr>
+          <a:xfrm>
+            <a:off x="5014762" y="5150149"/>
+            <a:ext cx="1081238" cy="0"/>
+          </a:xfrm>
+          <a:prstGeom prst="straightConnector1">
+            <a:avLst/>
+          </a:prstGeom>
+          <a:ln w="50800">
+            <a:solidFill>
+              <a:srgbClr val="00B050"/>
+            </a:solidFill>
+            <a:headEnd type="none"/>
+            <a:tailEnd type="arrow"/>
+          </a:ln>
+        </p:spPr>
+        <p:style>
+          <a:lnRef idx="2">
+            <a:schemeClr val="accent1"/>
+          </a:lnRef>
+          <a:fillRef idx="0">
+            <a:schemeClr val="accent1"/>
+          </a:fillRef>
+          <a:effectRef idx="1">
+            <a:schemeClr val="accent1"/>
+          </a:effectRef>
+          <a:fontRef idx="minor">
+            <a:schemeClr val="tx1"/>
+          </a:fontRef>
+        </p:style>
+      </p:cxnSp>
+    </p:spTree>
+    <p:extLst>
+      <p:ext uri="{BB962C8B-B14F-4D97-AF65-F5344CB8AC3E}">
+        <p14:creationId xmlns:p14="http://schemas.microsoft.com/office/powerpoint/2010/main" val="1945658646"/>
+      </p:ext>
+    </p:extLst>
+  </p:cSld>
+  <p:clrMapOvr>
+    <a:masterClrMapping/>
+  </p:clrMapOvr>
+</p:sld>
+</file>
+
+<file path=ppt/slides/slide21.xml><?xml version="1.0" encoding="utf-8"?>
+<p:sld xmlns:a="http://schemas.openxmlformats.org/drawingml/2006/main" xmlns:r="http://schemas.openxmlformats.org/officeDocument/2006/relationships" xmlns:p="http://schemas.openxmlformats.org/presentationml/2006/main">
+  <p:cSld>
+    <p:spTree>
+      <p:nvGrpSpPr>
+        <p:cNvPr id="1" name=""/>
+        <p:cNvGrpSpPr/>
+        <p:nvPr/>
+      </p:nvGrpSpPr>
+      <p:grpSpPr>
+        <a:xfrm>
+          <a:off x="0" y="0"/>
+          <a:ext cx="0" cy="0"/>
+          <a:chOff x="0" y="0"/>
+          <a:chExt cx="0" cy="0"/>
+        </a:xfrm>
+      </p:grpSpPr>
+      <p:sp>
+        <p:nvSpPr>
+          <p:cNvPr id="2" name="Title 1">
+            <a:extLst>
+              <a:ext uri="{FF2B5EF4-FFF2-40B4-BE49-F238E27FC236}">
                 <a16:creationId xmlns:a16="http://schemas.microsoft.com/office/drawing/2014/main" id="{DDC2F3F9-E188-CAD5-96E6-0955B6DA9CC6}"/>
               </a:ext>
             </a:extLst>
@@ -15513,7 +15718,7 @@
 </p:sld>
 </file>
 
-<file path=ppt/slides/slide21.xml><?xml version="1.0" encoding="utf-8"?>
+<file path=ppt/slides/slide22.xml><?xml version="1.0" encoding="utf-8"?>
 <p:sld xmlns:a="http://schemas.openxmlformats.org/drawingml/2006/main" xmlns:r="http://schemas.openxmlformats.org/officeDocument/2006/relationships" xmlns:p="http://schemas.openxmlformats.org/presentationml/2006/main">
   <p:cSld>
     <p:spTree>
@@ -15745,7 +15950,7 @@
 </p:sld>
 </file>
 
-<file path=ppt/slides/slide22.xml><?xml version="1.0" encoding="utf-8"?>
+<file path=ppt/slides/slide23.xml><?xml version="1.0" encoding="utf-8"?>
 <p:sld xmlns:a="http://schemas.openxmlformats.org/drawingml/2006/main" xmlns:r="http://schemas.openxmlformats.org/officeDocument/2006/relationships" xmlns:p="http://schemas.openxmlformats.org/presentationml/2006/main">
   <p:cSld>
     <p:spTree>
@@ -16108,7 +16313,7 @@
 </p:sld>
 </file>
 
-<file path=ppt/slides/slide23.xml><?xml version="1.0" encoding="utf-8"?>
+<file path=ppt/slides/slide24.xml><?xml version="1.0" encoding="utf-8"?>
 <p:sld xmlns:a="http://schemas.openxmlformats.org/drawingml/2006/main" xmlns:r="http://schemas.openxmlformats.org/officeDocument/2006/relationships" xmlns:p="http://schemas.openxmlformats.org/presentationml/2006/main">
   <p:cSld>
     <p:spTree>
@@ -16290,7 +16495,7 @@
 </p:sld>
 </file>
 
-<file path=ppt/slides/slide24.xml><?xml version="1.0" encoding="utf-8"?>
+<file path=ppt/slides/slide25.xml><?xml version="1.0" encoding="utf-8"?>
 <p:sld xmlns:a="http://schemas.openxmlformats.org/drawingml/2006/main" xmlns:r="http://schemas.openxmlformats.org/officeDocument/2006/relationships" xmlns:p="http://schemas.openxmlformats.org/presentationml/2006/main">
   <p:cSld>
     <p:spTree>
@@ -16620,7 +16825,7 @@
 </p:sld>
 </file>
 
-<file path=ppt/slides/slide25.xml><?xml version="1.0" encoding="utf-8"?>
+<file path=ppt/slides/slide26.xml><?xml version="1.0" encoding="utf-8"?>
 <p:sld xmlns:a="http://schemas.openxmlformats.org/drawingml/2006/main" xmlns:r="http://schemas.openxmlformats.org/officeDocument/2006/relationships" xmlns:p="http://schemas.openxmlformats.org/presentationml/2006/main">
   <p:cSld>
     <p:bg>

--- a/Presintaions and Reports/Final presentaion VLSI project 7880.pptx
+++ b/Presintaions and Reports/Final presentaion VLSI project 7880.pptx
@@ -13977,7 +13977,9 @@
           </a:xfrm>
         </p:spPr>
         <p:txBody>
-          <a:bodyPr/>
+          <a:bodyPr>
+            <a:normAutofit lnSpcReduction="10000"/>
+          </a:bodyPr>
           <a:lstStyle/>
           <a:p>
             <a:r>
@@ -13994,7 +13996,15 @@
             </a:r>
             <a:r>
               <a:rPr lang="en-IL" dirty="0"/>
-              <a:t>TSMC TSL 108 Tower Design Kit</a:t>
+              <a:t>TSMC TSL </a:t>
+            </a:r>
+            <a:r>
+              <a:rPr lang="en-US" dirty="0"/>
+              <a:t>0.</a:t>
+            </a:r>
+            <a:r>
+              <a:rPr lang="en-IL" dirty="0"/>
+              <a:t>18 Tower Design Kit</a:t>
             </a:r>
             <a:r>
               <a:rPr lang="en-US" dirty="0"/>
@@ -14032,7 +14042,15 @@
             </a:r>
             <a:r>
               <a:rPr lang="en-IL" dirty="0"/>
-              <a:t>TSMC TSL 108 Tower Design Kit</a:t>
+              <a:t>TSMC TSL </a:t>
+            </a:r>
+            <a:r>
+              <a:rPr lang="en-US" dirty="0"/>
+              <a:t>0.1</a:t>
+            </a:r>
+            <a:r>
+              <a:rPr lang="en-IL" dirty="0"/>
+              <a:t>8 Tower Design Kit</a:t>
             </a:r>
             <a:r>
               <a:rPr lang="en-US" dirty="0"/>
@@ -14251,7 +14269,15 @@
             </a:r>
             <a:r>
               <a:rPr lang="en-IL" dirty="0"/>
-              <a:t>TSMC TSL 108 Tower Design Kit</a:t>
+              <a:t>TSMC TSL </a:t>
+            </a:r>
+            <a:r>
+              <a:rPr lang="en-US" dirty="0"/>
+              <a:t>0.1</a:t>
+            </a:r>
+            <a:r>
+              <a:rPr lang="en-IL" dirty="0"/>
+              <a:t>8 Tower Design Kit</a:t>
             </a:r>
             <a:r>
               <a:rPr lang="en-US" dirty="0"/>
@@ -14490,7 +14516,15 @@
             </a:r>
             <a:r>
               <a:rPr lang="en-IL" b="1" u="sng" dirty="0"/>
-              <a:t>TSMC TSL 108 </a:t>
+              <a:t>TSMC TSL </a:t>
+            </a:r>
+            <a:r>
+              <a:rPr lang="en-US" b="1" u="sng" dirty="0"/>
+              <a:t>0.1</a:t>
+            </a:r>
+            <a:r>
+              <a:rPr lang="en-IL" b="1" u="sng" dirty="0"/>
+              <a:t>8 </a:t>
             </a:r>
             <a:r>
               <a:rPr lang="en-IL" dirty="0"/>
@@ -15107,7 +15141,7 @@
           <a:p>
             <a:r>
               <a:rPr lang="en-US" dirty="0"/>
-              <a:t>The original design initially failed during compilation because the synthesis tool could not detect the FBJA memory, resulting in a compilation error. To resolve this issue, a virtual FBJA memory was used.</a:t>
+              <a:t>The original design initially failed during compilation because the synthesis tool could not detect the FPGA memory, resulting in a compilation error. To resolve this issue, a virtual FPGA memory was used.</a:t>
             </a:r>
             <a:endParaRPr lang="en-IL" dirty="0"/>
           </a:p>
@@ -18773,8 +18807,13 @@
           <a:p>
             <a:r>
               <a:rPr lang="en-US" sz="2000" dirty="0"/>
-              <a:t>The design provided incorrect results whenever running commands with undivisible-by-4 address, and the fact that the FPGA memories operated upon the clock falling (not rising).</a:t>
-            </a:r>
+              <a:t>The design provided incorrect results whenever running commands with undivisible-by-4 address</a:t>
+            </a:r>
+            <a:r>
+              <a:rPr lang="he-IL" sz="2000" dirty="0"/>
+              <a:t>.</a:t>
+            </a:r>
+            <a:endParaRPr lang="en-US" sz="2000" dirty="0"/>
           </a:p>
           <a:p>
             <a:endParaRPr lang="en-US" sz="2000" dirty="0"/>
